--- a/Genetic/assignment/GA_for_Knapsack_Problem.pptx
+++ b/Genetic/assignment/GA_for_Knapsack_Problem.pptx
@@ -234,7 +234,7 @@
             <a:fld id="{FE7D155D-6C38-4FEF-A2D2-F00A239BE7F4}" type="datetimeFigureOut">
               <a:rPr lang="en-US" altLang="zh-TW"/>
               <a:pPr/>
-              <a:t>12/19/2018</a:t>
+              <a:t>1/9/2019</a:t>
             </a:fld>
             <a:endParaRPr lang="en-US" altLang="zh-TW"/>
           </a:p>
@@ -1063,7 +1063,7 @@
           <a:p>
             <a:fld id="{ADDAFF65-2043-485B-8553-CCEEE29A4870}" type="datetime1">
               <a:rPr lang="en-US" altLang="zh-TW" smtClean="0"/>
-              <a:t>12/19/2018</a:t>
+              <a:t>1/9/2019</a:t>
             </a:fld>
             <a:endParaRPr lang="en-US" altLang="zh-TW"/>
           </a:p>
@@ -1397,7 +1397,7 @@
           <a:p>
             <a:fld id="{ADDAFF65-2043-485B-8553-CCEEE29A4870}" type="datetime1">
               <a:rPr lang="en-US" altLang="zh-TW" smtClean="0"/>
-              <a:t>12/19/2018</a:t>
+              <a:t>1/9/2019</a:t>
             </a:fld>
             <a:endParaRPr lang="en-US" altLang="zh-TW"/>
           </a:p>
@@ -1798,7 +1798,7 @@
           <a:p>
             <a:fld id="{ADDAFF65-2043-485B-8553-CCEEE29A4870}" type="datetime1">
               <a:rPr lang="en-US" altLang="zh-TW" smtClean="0"/>
-              <a:t>12/19/2018</a:t>
+              <a:t>1/9/2019</a:t>
             </a:fld>
             <a:endParaRPr lang="en-US" altLang="zh-TW"/>
           </a:p>
@@ -2134,7 +2134,7 @@
           <a:p>
             <a:fld id="{ADDAFF65-2043-485B-8553-CCEEE29A4870}" type="datetime1">
               <a:rPr lang="en-US" altLang="zh-TW" smtClean="0"/>
-              <a:t>12/19/2018</a:t>
+              <a:t>1/9/2019</a:t>
             </a:fld>
             <a:endParaRPr lang="en-US" altLang="zh-TW"/>
           </a:p>
@@ -2454,7 +2454,7 @@
           <a:p>
             <a:fld id="{ADDAFF65-2043-485B-8553-CCEEE29A4870}" type="datetime1">
               <a:rPr lang="en-US" altLang="zh-TW" smtClean="0"/>
-              <a:t>12/19/2018</a:t>
+              <a:t>1/9/2019</a:t>
             </a:fld>
             <a:endParaRPr lang="en-US" altLang="zh-TW"/>
           </a:p>
@@ -2850,7 +2850,7 @@
           <a:p>
             <a:fld id="{ADDAFF65-2043-485B-8553-CCEEE29A4870}" type="datetime1">
               <a:rPr lang="en-US" altLang="zh-TW" smtClean="0"/>
-              <a:t>12/19/2018</a:t>
+              <a:t>1/9/2019</a:t>
             </a:fld>
             <a:endParaRPr lang="en-US" altLang="zh-TW"/>
           </a:p>
@@ -3107,7 +3107,7 @@
           <a:p>
             <a:fld id="{ADDAFF65-2043-485B-8553-CCEEE29A4870}" type="datetime1">
               <a:rPr lang="en-US" altLang="zh-TW" smtClean="0"/>
-              <a:t>12/19/2018</a:t>
+              <a:t>1/9/2019</a:t>
             </a:fld>
             <a:endParaRPr lang="en-US" altLang="zh-TW"/>
           </a:p>
@@ -3369,7 +3369,7 @@
           <a:p>
             <a:fld id="{ADDAFF65-2043-485B-8553-CCEEE29A4870}" type="datetime1">
               <a:rPr lang="en-US" altLang="zh-TW" smtClean="0"/>
-              <a:t>12/19/2018</a:t>
+              <a:t>1/9/2019</a:t>
             </a:fld>
             <a:endParaRPr lang="en-US" altLang="zh-TW"/>
           </a:p>
@@ -3937,7 +3937,7 @@
           <a:p>
             <a:fld id="{ADDAFF65-2043-485B-8553-CCEEE29A4870}" type="datetime1">
               <a:rPr lang="en-US" altLang="zh-TW" smtClean="0"/>
-              <a:t>12/19/2018</a:t>
+              <a:t>1/9/2019</a:t>
             </a:fld>
             <a:endParaRPr lang="en-US" altLang="zh-TW"/>
           </a:p>
@@ -4260,7 +4260,7 @@
           <a:p>
             <a:fld id="{ADDAFF65-2043-485B-8553-CCEEE29A4870}" type="datetime1">
               <a:rPr lang="en-US" altLang="zh-TW" smtClean="0"/>
-              <a:t>12/19/2018</a:t>
+              <a:t>1/9/2019</a:t>
             </a:fld>
             <a:endParaRPr lang="en-US" altLang="zh-TW"/>
           </a:p>
@@ -4717,7 +4717,7 @@
           <a:p>
             <a:fld id="{ADDAFF65-2043-485B-8553-CCEEE29A4870}" type="datetime1">
               <a:rPr lang="en-US" altLang="zh-TW" smtClean="0"/>
-              <a:t>12/19/2018</a:t>
+              <a:t>1/9/2019</a:t>
             </a:fld>
             <a:endParaRPr lang="en-US" altLang="zh-TW"/>
           </a:p>
@@ -4927,7 +4927,7 @@
           <a:p>
             <a:fld id="{ADDAFF65-2043-485B-8553-CCEEE29A4870}" type="datetime1">
               <a:rPr lang="en-US" altLang="zh-TW" smtClean="0"/>
-              <a:t>12/19/2018</a:t>
+              <a:t>1/9/2019</a:t>
             </a:fld>
             <a:endParaRPr lang="en-US" altLang="zh-TW"/>
           </a:p>
@@ -5104,7 +5104,7 @@
           <a:p>
             <a:fld id="{ADDAFF65-2043-485B-8553-CCEEE29A4870}" type="datetime1">
               <a:rPr lang="en-US" altLang="zh-TW" smtClean="0"/>
-              <a:t>12/19/2018</a:t>
+              <a:t>1/9/2019</a:t>
             </a:fld>
             <a:endParaRPr lang="en-US" altLang="zh-TW"/>
           </a:p>
@@ -5437,7 +5437,7 @@
           <a:p>
             <a:fld id="{ADDAFF65-2043-485B-8553-CCEEE29A4870}" type="datetime1">
               <a:rPr lang="en-US" altLang="zh-TW" smtClean="0"/>
-              <a:t>12/19/2018</a:t>
+              <a:t>1/9/2019</a:t>
             </a:fld>
             <a:endParaRPr lang="en-US" altLang="zh-TW"/>
           </a:p>
@@ -5782,7 +5782,7 @@
           <a:p>
             <a:fld id="{ADDAFF65-2043-485B-8553-CCEEE29A4870}" type="datetime1">
               <a:rPr lang="en-US" altLang="zh-TW" smtClean="0"/>
-              <a:t>12/19/2018</a:t>
+              <a:t>1/9/2019</a:t>
             </a:fld>
             <a:endParaRPr lang="en-US" altLang="zh-TW"/>
           </a:p>
@@ -7899,7 +7899,7 @@
           <a:p>
             <a:fld id="{ADDAFF65-2043-485B-8553-CCEEE29A4870}" type="datetime1">
               <a:rPr lang="en-US" altLang="zh-TW" smtClean="0"/>
-              <a:t>12/19/2018</a:t>
+              <a:t>1/9/2019</a:t>
             </a:fld>
             <a:endParaRPr lang="en-US" altLang="zh-TW"/>
           </a:p>
@@ -8452,17 +8452,8 @@
             </a:r>
             <a:r>
               <a:rPr lang="en-US" sz="4400" dirty="0" smtClean="0"/>
-              <a:t> </a:t>
-            </a:r>
-            <a:r>
-              <a:rPr lang="en-US" sz="4400" dirty="0" smtClean="0"/>
-              <a:t>Genetic </a:t>
-            </a:r>
-            <a:r>
-              <a:rPr lang="en-US" sz="4400" dirty="0" smtClean="0"/>
-              <a:t>Algorithm for the 0-1 Knapsack Problem</a:t>
-            </a:r>
-            <a:endParaRPr lang="en-US" sz="4400" dirty="0" smtClean="0"/>
+              <a:t> Genetic Algorithm for the 0-1 Knapsack Problem</a:t>
+            </a:r>
           </a:p>
         </p:txBody>
       </p:sp>
@@ -9425,8 +9416,8 @@
           </a:p>
         </p:txBody>
       </p:sp>
-      <mc:AlternateContent xmlns:mc="http://schemas.openxmlformats.org/markup-compatibility/2006">
-        <mc:Choice xmlns:a14="http://schemas.microsoft.com/office/drawing/2010/main" Requires="a14">
+      <mc:AlternateContent xmlns:mc="http://schemas.openxmlformats.org/markup-compatibility/2006" xmlns:a14="http://schemas.microsoft.com/office/drawing/2010/main">
+        <mc:Choice Requires="a14">
           <p:sp>
             <p:nvSpPr>
               <p:cNvPr id="3" name="內容版面配置區 2"/>
@@ -9717,7 +9708,7 @@
             </p:txBody>
           </p:sp>
         </mc:Choice>
-        <mc:Fallback>
+        <mc:Fallback xmlns="">
           <p:sp>
             <p:nvSpPr>
               <p:cNvPr id="3" name="內容版面配置區 2"/>
@@ -11127,8 +11118,8 @@
           </a:p>
         </p:txBody>
       </p:sp>
-      <mc:AlternateContent xmlns:mc="http://schemas.openxmlformats.org/markup-compatibility/2006">
-        <mc:Choice xmlns:a14="http://schemas.microsoft.com/office/drawing/2010/main" Requires="a14">
+      <mc:AlternateContent xmlns:mc="http://schemas.openxmlformats.org/markup-compatibility/2006" xmlns:a14="http://schemas.microsoft.com/office/drawing/2010/main">
+        <mc:Choice Requires="a14">
           <p:sp>
             <p:nvSpPr>
               <p:cNvPr id="3" name="內容版面配置區 2"/>
@@ -11251,7 +11242,7 @@
             </p:txBody>
           </p:sp>
         </mc:Choice>
-        <mc:Fallback>
+        <mc:Fallback xmlns="">
           <p:sp>
             <p:nvSpPr>
               <p:cNvPr id="3" name="內容版面配置區 2"/>
